--- a/docs/chap11_slide.pptx
+++ b/docs/chap11_slide.pptx
@@ -3769,12 +3769,12 @@
       </p:grpSpPr>
       <p:sp>
         <p:nvSpPr>
-          <p:cNvPr id="3" name="Content Placeholder 2"/>
-          <p:cNvSpPr>
-            <a:spLocks noGrp="1"/>
-          </p:cNvSpPr>
-          <p:nvPr>
-            <p:ph idx="1"/>
+          <p:cNvPr id="2" name="Title 1"/>
+          <p:cNvSpPr>
+            <a:spLocks noGrp="1"/>
+          </p:cNvSpPr>
+          <p:nvPr>
+            <p:ph type="title"/>
           </p:nvPr>
         </p:nvSpPr>
         <p:spPr/>
@@ -3787,9 +3787,64 @@
             </a:pPr>
             <a:r>
               <a:rPr/>
-              <a:t> ## 11.2 两个总体的均值比较：配对样本</a:t>
-            </a:r>
-            <a:br/>
+              <a:t>11.2 两个总体的均值比较：配对样本</a:t>
+            </a:r>
+          </a:p>
+        </p:txBody>
+      </p:sp>
+      <p:pic>
+        <p:nvPicPr>
+          <p:cNvPr descr="img/pic11.12.png" id="0" name="Picture 1"/>
+          <p:cNvPicPr>
+            <a:picLocks noGrp="1" noChangeAspect="1"/>
+          </p:cNvPicPr>
+          <p:nvPr/>
+        </p:nvPicPr>
+        <p:blipFill>
+          <a:blip r:embed="rId2"/>
+          <a:stretch>
+            <a:fillRect/>
+          </a:stretch>
+        </p:blipFill>
+        <p:spPr bwMode="auto">
+          <a:xfrm>
+            <a:off x="1727200" y="1193800"/>
+            <a:ext cx="5689600" cy="2882900"/>
+          </a:xfrm>
+          <a:prstGeom prst="rect">
+            <a:avLst/>
+          </a:prstGeom>
+          <a:noFill/>
+          <a:ln w="9525">
+            <a:noFill/>
+            <a:headEnd/>
+            <a:tailEnd/>
+          </a:ln>
+        </p:spPr>
+      </p:pic>
+      <p:sp>
+        <p:nvSpPr>
+          <p:cNvPr id="1" name="TextBox 3"/>
+          <p:cNvSpPr txBox="1"/>
+          <p:nvPr/>
+        </p:nvSpPr>
+        <p:spPr>
+          <a:xfrm>
+            <a:off x="457200" y="4076700"/>
+            <a:ext cx="8229600" cy="508000"/>
+          </a:xfrm>
+          <a:prstGeom prst="rect">
+            <a:avLst/>
+          </a:prstGeom>
+          <a:noFill/>
+        </p:spPr>
+        <p:txBody>
+          <a:bodyPr/>
+          <a:lstStyle/>
+          <a:p>
+            <a:pPr lvl="0" indent="0" marL="0" algn="ctr">
+              <a:buNone/>
+            </a:pPr>
             <a:r>
               <a:rPr/>
               <a:t>图11.12 “t检验：平均值的成对二样本分析”的对话框和输出结果</a:t>
@@ -5235,12 +5290,12 @@
       </p:grpSpPr>
       <p:sp>
         <p:nvSpPr>
-          <p:cNvPr id="3" name="Content Placeholder 2"/>
-          <p:cNvSpPr>
-            <a:spLocks noGrp="1"/>
-          </p:cNvSpPr>
-          <p:nvPr>
-            <p:ph idx="1"/>
+          <p:cNvPr id="2" name="Title 1"/>
+          <p:cNvSpPr>
+            <a:spLocks noGrp="1"/>
+          </p:cNvSpPr>
+          <p:nvPr>
+            <p:ph type="title"/>
           </p:nvPr>
         </p:nvSpPr>
         <p:spPr/>
@@ -5253,11 +5308,41 @@
             </a:pPr>
             <a:r>
               <a:rPr/>
-              <a:t> ## 11.1.1 两个总体方差已知：z检验 </a:t>
-            </a:r>
-          </a:p>
-        </p:txBody>
-      </p:sp>
+              <a:t>11.1.1 两个总体方差已知：z检验</a:t>
+            </a:r>
+          </a:p>
+        </p:txBody>
+      </p:sp>
+      <p:pic>
+        <p:nvPicPr>
+          <p:cNvPr descr="img/eq11.4.png" id="0" name="Picture 1"/>
+          <p:cNvPicPr>
+            <a:picLocks noGrp="1" noChangeAspect="1"/>
+          </p:cNvPicPr>
+          <p:nvPr/>
+        </p:nvPicPr>
+        <p:blipFill>
+          <a:blip r:embed="rId2"/>
+          <a:stretch>
+            <a:fillRect/>
+          </a:stretch>
+        </p:blipFill>
+        <p:spPr bwMode="auto">
+          <a:xfrm>
+            <a:off x="457200" y="2120900"/>
+            <a:ext cx="8229600" cy="1524000"/>
+          </a:xfrm>
+          <a:prstGeom prst="rect">
+            <a:avLst/>
+          </a:prstGeom>
+          <a:noFill/>
+          <a:ln w="9525">
+            <a:noFill/>
+            <a:headEnd/>
+            <a:tailEnd/>
+          </a:ln>
+        </p:spPr>
+      </p:pic>
     </p:spTree>
   </p:cSld>
 </p:sld>
